--- a/Testni_plan.pptx
+++ b/Testni_plan.pptx
@@ -11,7 +11,8 @@
     <p:sldId id="264" r:id="rId5"/>
     <p:sldId id="265" r:id="rId6"/>
     <p:sldId id="266" r:id="rId7"/>
-    <p:sldId id="268" r:id="rId8"/>
+    <p:sldId id="270" r:id="rId8"/>
+    <p:sldId id="268" r:id="rId9"/>
   </p:sldIdLst>
   <p:sldSz cx="12192000" cy="6858000"/>
   <p:notesSz cx="6858000" cy="9144000"/>
@@ -403,7 +404,7 @@
           <a:p>
             <a:fld id="{30EF52CC-F3D9-41D4-BCE4-C208E61A3F31}" type="datetimeFigureOut">
               <a:rPr lang="en-US" smtClean="0"/>
-              <a:t>12/20/2022</a:t>
+              <a:t>12/21/2022</a:t>
             </a:fld>
             <a:endParaRPr lang="en-US" dirty="0"/>
           </a:p>
@@ -819,7 +820,7 @@
           <a:p>
             <a:fld id="{30EF52CC-F3D9-41D4-BCE4-C208E61A3F31}" type="datetimeFigureOut">
               <a:rPr lang="en-US" smtClean="0"/>
-              <a:t>12/20/2022</a:t>
+              <a:t>12/21/2022</a:t>
             </a:fld>
             <a:endParaRPr lang="en-US" dirty="0"/>
           </a:p>
@@ -1157,7 +1158,7 @@
           <a:p>
             <a:fld id="{30EF52CC-F3D9-41D4-BCE4-C208E61A3F31}" type="datetimeFigureOut">
               <a:rPr lang="en-US" smtClean="0"/>
-              <a:t>12/20/2022</a:t>
+              <a:t>12/21/2022</a:t>
             </a:fld>
             <a:endParaRPr lang="en-US" dirty="0"/>
           </a:p>
@@ -1564,7 +1565,7 @@
           <a:p>
             <a:fld id="{30EF52CC-F3D9-41D4-BCE4-C208E61A3F31}" type="datetimeFigureOut">
               <a:rPr lang="en-US" smtClean="0"/>
-              <a:t>12/20/2022</a:t>
+              <a:t>12/21/2022</a:t>
             </a:fld>
             <a:endParaRPr lang="en-US" dirty="0"/>
           </a:p>
@@ -2134,7 +2135,7 @@
           <a:p>
             <a:fld id="{30EF52CC-F3D9-41D4-BCE4-C208E61A3F31}" type="datetimeFigureOut">
               <a:rPr lang="en-US" smtClean="0"/>
-              <a:t>12/20/2022</a:t>
+              <a:t>12/21/2022</a:t>
             </a:fld>
             <a:endParaRPr lang="en-US" dirty="0"/>
           </a:p>
@@ -2817,7 +2818,7 @@
           <a:p>
             <a:fld id="{30EF52CC-F3D9-41D4-BCE4-C208E61A3F31}" type="datetimeFigureOut">
               <a:rPr lang="en-US" smtClean="0"/>
-              <a:t>12/20/2022</a:t>
+              <a:t>12/21/2022</a:t>
             </a:fld>
             <a:endParaRPr lang="en-US" dirty="0"/>
           </a:p>
@@ -3732,7 +3733,7 @@
           <a:p>
             <a:fld id="{30EF52CC-F3D9-41D4-BCE4-C208E61A3F31}" type="datetimeFigureOut">
               <a:rPr lang="en-US" smtClean="0"/>
-              <a:t>12/20/2022</a:t>
+              <a:t>12/21/2022</a:t>
             </a:fld>
             <a:endParaRPr lang="en-US" dirty="0"/>
           </a:p>
@@ -4047,7 +4048,7 @@
           <a:p>
             <a:fld id="{30EF52CC-F3D9-41D4-BCE4-C208E61A3F31}" type="datetimeFigureOut">
               <a:rPr lang="en-US" smtClean="0"/>
-              <a:t>12/20/2022</a:t>
+              <a:t>12/21/2022</a:t>
             </a:fld>
             <a:endParaRPr lang="en-US" dirty="0"/>
           </a:p>
@@ -4313,7 +4314,7 @@
           <a:p>
             <a:fld id="{30EF52CC-F3D9-41D4-BCE4-C208E61A3F31}" type="datetimeFigureOut">
               <a:rPr lang="en-US" smtClean="0"/>
-              <a:t>12/20/2022</a:t>
+              <a:t>12/21/2022</a:t>
             </a:fld>
             <a:endParaRPr lang="en-US" dirty="0"/>
           </a:p>
@@ -4638,7 +4639,7 @@
           <a:p>
             <a:fld id="{30EF52CC-F3D9-41D4-BCE4-C208E61A3F31}" type="datetimeFigureOut">
               <a:rPr lang="en-US" smtClean="0"/>
-              <a:t>12/20/2022</a:t>
+              <a:t>12/21/2022</a:t>
             </a:fld>
             <a:endParaRPr lang="en-US" dirty="0"/>
           </a:p>
@@ -5029,7 +5030,7 @@
           <a:p>
             <a:fld id="{30EF52CC-F3D9-41D4-BCE4-C208E61A3F31}" type="datetimeFigureOut">
               <a:rPr lang="en-US" smtClean="0"/>
-              <a:t>12/20/2022</a:t>
+              <a:t>12/21/2022</a:t>
             </a:fld>
             <a:endParaRPr lang="en-US" dirty="0"/>
           </a:p>
@@ -5407,7 +5408,7 @@
           <a:p>
             <a:fld id="{30EF52CC-F3D9-41D4-BCE4-C208E61A3F31}" type="datetimeFigureOut">
               <a:rPr lang="en-US" smtClean="0"/>
-              <a:t>12/20/2022</a:t>
+              <a:t>12/21/2022</a:t>
             </a:fld>
             <a:endParaRPr lang="en-US" dirty="0"/>
           </a:p>
@@ -5915,7 +5916,7 @@
           <a:p>
             <a:fld id="{30EF52CC-F3D9-41D4-BCE4-C208E61A3F31}" type="datetimeFigureOut">
               <a:rPr lang="en-US" smtClean="0"/>
-              <a:t>12/20/2022</a:t>
+              <a:t>12/21/2022</a:t>
             </a:fld>
             <a:endParaRPr lang="en-US" dirty="0"/>
           </a:p>
@@ -6174,7 +6175,7 @@
           <a:p>
             <a:fld id="{30EF52CC-F3D9-41D4-BCE4-C208E61A3F31}" type="datetimeFigureOut">
               <a:rPr lang="en-US" smtClean="0"/>
-              <a:t>12/20/2022</a:t>
+              <a:t>12/21/2022</a:t>
             </a:fld>
             <a:endParaRPr lang="en-US" dirty="0"/>
           </a:p>
@@ -6339,7 +6340,7 @@
           <a:p>
             <a:fld id="{30EF52CC-F3D9-41D4-BCE4-C208E61A3F31}" type="datetimeFigureOut">
               <a:rPr lang="en-US" smtClean="0"/>
-              <a:t>12/20/2022</a:t>
+              <a:t>12/21/2022</a:t>
             </a:fld>
             <a:endParaRPr lang="en-US" dirty="0"/>
           </a:p>
@@ -6731,7 +6732,7 @@
           <a:p>
             <a:fld id="{30EF52CC-F3D9-41D4-BCE4-C208E61A3F31}" type="datetimeFigureOut">
               <a:rPr lang="en-US" smtClean="0"/>
-              <a:t>12/20/2022</a:t>
+              <a:t>12/21/2022</a:t>
             </a:fld>
             <a:endParaRPr lang="en-US" dirty="0"/>
           </a:p>
@@ -7142,7 +7143,7 @@
           <a:p>
             <a:fld id="{30EF52CC-F3D9-41D4-BCE4-C208E61A3F31}" type="datetimeFigureOut">
               <a:rPr lang="en-US" smtClean="0"/>
-              <a:t>12/20/2022</a:t>
+              <a:t>12/21/2022</a:t>
             </a:fld>
             <a:endParaRPr lang="en-US" dirty="0"/>
           </a:p>
@@ -7419,7 +7420,7 @@
           <a:p>
             <a:fld id="{30EF52CC-F3D9-41D4-BCE4-C208E61A3F31}" type="datetimeFigureOut">
               <a:rPr lang="en-US" smtClean="0"/>
-              <a:t>12/20/2022</a:t>
+              <a:t>12/21/2022</a:t>
             </a:fld>
             <a:endParaRPr lang="en-US" dirty="0"/>
           </a:p>
@@ -8401,7 +8402,7 @@
                   <a:schemeClr val="bg1"/>
                 </a:solidFill>
               </a:rPr>
-              <a:t>Registracija</a:t>
+              <a:t>Vanjski</a:t>
             </a:r>
             <a:r>
               <a:rPr lang="en-US" dirty="0">
@@ -8417,7 +8418,23 @@
                   <a:schemeClr val="bg1"/>
                 </a:solidFill>
               </a:rPr>
-              <a:t>korisnika</a:t>
+              <a:t>izgled</a:t>
+            </a:r>
+            <a:r>
+              <a:rPr lang="en-US" dirty="0">
+                <a:solidFill>
+                  <a:schemeClr val="bg1"/>
+                </a:solidFill>
+              </a:rPr>
+              <a:t> </a:t>
+            </a:r>
+            <a:r>
+              <a:rPr lang="en-US" dirty="0" err="1">
+                <a:solidFill>
+                  <a:schemeClr val="bg1"/>
+                </a:solidFill>
+              </a:rPr>
+              <a:t>stranice</a:t>
             </a:r>
             <a:endParaRPr lang="en-US" dirty="0">
               <a:solidFill>
@@ -8432,7 +8449,23 @@
                   <a:schemeClr val="bg1"/>
                 </a:solidFill>
               </a:rPr>
-              <a:t>Prijava</a:t>
+              <a:t>Registracija</a:t>
+            </a:r>
+            <a:r>
+              <a:rPr lang="en-US" dirty="0">
+                <a:solidFill>
+                  <a:schemeClr val="bg1"/>
+                </a:solidFill>
+              </a:rPr>
+              <a:t>/</a:t>
+            </a:r>
+            <a:r>
+              <a:rPr lang="en-US" dirty="0" err="1">
+                <a:solidFill>
+                  <a:schemeClr val="bg1"/>
+                </a:solidFill>
+              </a:rPr>
+              <a:t>prijava</a:t>
             </a:r>
             <a:r>
               <a:rPr lang="en-US" dirty="0">
@@ -8463,7 +8496,7 @@
                   <a:schemeClr val="bg1"/>
                 </a:solidFill>
               </a:rPr>
-              <a:t>Postavljanje</a:t>
+              <a:t>Baza</a:t>
             </a:r>
             <a:r>
               <a:rPr lang="en-US" dirty="0">
@@ -8479,7 +8512,22 @@
                   <a:schemeClr val="bg1"/>
                 </a:solidFill>
               </a:rPr>
-              <a:t>oglasa</a:t>
+              <a:t>podataka</a:t>
+            </a:r>
+            <a:endParaRPr lang="en-US" dirty="0">
+              <a:solidFill>
+                <a:schemeClr val="bg1"/>
+              </a:solidFill>
+            </a:endParaRPr>
+          </a:p>
+          <a:p>
+            <a:r>
+              <a:rPr lang="en-US" dirty="0" err="1">
+                <a:solidFill>
+                  <a:schemeClr val="bg1"/>
+                </a:solidFill>
+              </a:rPr>
+              <a:t>Razvijanje</a:t>
             </a:r>
             <a:r>
               <a:rPr lang="en-US" dirty="0">
@@ -8495,39 +8543,53 @@
                   <a:schemeClr val="bg1"/>
                 </a:solidFill>
               </a:rPr>
+              <a:t>backenda</a:t>
+            </a:r>
+            <a:endParaRPr lang="en-US" dirty="0">
+              <a:solidFill>
+                <a:schemeClr val="bg1"/>
+              </a:solidFill>
+            </a:endParaRPr>
+          </a:p>
+          <a:p>
+            <a:r>
+              <a:rPr lang="en-US" dirty="0" err="1">
+                <a:solidFill>
+                  <a:schemeClr val="bg1"/>
+                </a:solidFill>
+              </a:rPr>
+              <a:t>Dokumentacija</a:t>
+            </a:r>
+            <a:endParaRPr lang="en-US" dirty="0">
+              <a:solidFill>
+                <a:schemeClr val="bg1"/>
+              </a:solidFill>
+            </a:endParaRPr>
+          </a:p>
+          <a:p>
+            <a:r>
+              <a:rPr lang="en-US" dirty="0" err="1">
+                <a:solidFill>
+                  <a:schemeClr val="bg1"/>
+                </a:solidFill>
+              </a:rPr>
+              <a:t>Kompresija</a:t>
+            </a:r>
+            <a:r>
+              <a:rPr lang="en-US" dirty="0">
+                <a:solidFill>
+                  <a:schemeClr val="bg1"/>
+                </a:solidFill>
+              </a:rPr>
+              <a:t> </a:t>
+            </a:r>
+            <a:r>
+              <a:rPr lang="en-US" dirty="0" err="1">
+                <a:solidFill>
+                  <a:schemeClr val="bg1"/>
+                </a:solidFill>
+              </a:rPr>
               <a:t>slika</a:t>
-            </a:r>
-            <a:r>
-              <a:rPr lang="en-US" dirty="0">
-                <a:solidFill>
-                  <a:schemeClr val="bg1"/>
-                </a:solidFill>
-              </a:rPr>
-              <a:t> </a:t>
-            </a:r>
-            <a:r>
-              <a:rPr lang="en-US" dirty="0" err="1">
-                <a:solidFill>
-                  <a:schemeClr val="bg1"/>
-                </a:solidFill>
-              </a:rPr>
-              <a:t>i</a:t>
-            </a:r>
-            <a:r>
-              <a:rPr lang="en-US" dirty="0">
-                <a:solidFill>
-                  <a:schemeClr val="bg1"/>
-                </a:solidFill>
-              </a:rPr>
-              <a:t> </a:t>
-            </a:r>
-            <a:r>
-              <a:rPr lang="en-US" dirty="0" err="1">
-                <a:solidFill>
-                  <a:schemeClr val="bg1"/>
-                </a:solidFill>
-              </a:rPr>
-              <a:t>opisa</a:t>
             </a:r>
             <a:endParaRPr lang="en-US" dirty="0">
               <a:solidFill>
@@ -8613,6 +8675,9 @@
           <a:bodyPr/>
           <a:lstStyle/>
           <a:p>
+            <a:pPr marL="0" indent="0">
+              <a:buNone/>
+            </a:pPr>
             <a:r>
               <a:rPr lang="en-US" dirty="0" err="1">
                 <a:solidFill>
@@ -8645,6 +8710,163 @@
               </a:rPr>
               <a:t>:</a:t>
             </a:r>
+          </a:p>
+          <a:p>
+            <a:r>
+              <a:rPr lang="en-US" dirty="0" err="1">
+                <a:solidFill>
+                  <a:schemeClr val="bg1"/>
+                </a:solidFill>
+              </a:rPr>
+              <a:t>Vanjski</a:t>
+            </a:r>
+            <a:r>
+              <a:rPr lang="en-US" dirty="0">
+                <a:solidFill>
+                  <a:schemeClr val="bg1"/>
+                </a:solidFill>
+              </a:rPr>
+              <a:t> </a:t>
+            </a:r>
+            <a:r>
+              <a:rPr lang="en-US" dirty="0" err="1">
+                <a:solidFill>
+                  <a:schemeClr val="bg1"/>
+                </a:solidFill>
+              </a:rPr>
+              <a:t>izgled</a:t>
+            </a:r>
+            <a:r>
+              <a:rPr lang="en-US" dirty="0">
+                <a:solidFill>
+                  <a:schemeClr val="bg1"/>
+                </a:solidFill>
+              </a:rPr>
+              <a:t> </a:t>
+            </a:r>
+            <a:r>
+              <a:rPr lang="en-US" dirty="0" err="1">
+                <a:solidFill>
+                  <a:schemeClr val="bg1"/>
+                </a:solidFill>
+              </a:rPr>
+              <a:t>stranice</a:t>
+            </a:r>
+            <a:endParaRPr lang="en-US" dirty="0">
+              <a:solidFill>
+                <a:schemeClr val="bg1"/>
+              </a:solidFill>
+            </a:endParaRPr>
+          </a:p>
+          <a:p>
+            <a:r>
+              <a:rPr lang="en-US" dirty="0">
+                <a:solidFill>
+                  <a:schemeClr val="bg1"/>
+                </a:solidFill>
+              </a:rPr>
+              <a:t>Backend</a:t>
+            </a:r>
+          </a:p>
+          <a:p>
+            <a:r>
+              <a:rPr lang="en-US" dirty="0" err="1">
+                <a:solidFill>
+                  <a:schemeClr val="bg1"/>
+                </a:solidFill>
+              </a:rPr>
+              <a:t>Baza</a:t>
+            </a:r>
+            <a:r>
+              <a:rPr lang="en-US" dirty="0">
+                <a:solidFill>
+                  <a:schemeClr val="bg1"/>
+                </a:solidFill>
+              </a:rPr>
+              <a:t> </a:t>
+            </a:r>
+            <a:r>
+              <a:rPr lang="en-US" dirty="0" err="1">
+                <a:solidFill>
+                  <a:schemeClr val="bg1"/>
+                </a:solidFill>
+              </a:rPr>
+              <a:t>podataka</a:t>
+            </a:r>
+            <a:endParaRPr lang="en-US" dirty="0">
+              <a:solidFill>
+                <a:schemeClr val="bg1"/>
+              </a:solidFill>
+            </a:endParaRPr>
+          </a:p>
+          <a:p>
+            <a:r>
+              <a:rPr lang="en-US" dirty="0" err="1">
+                <a:solidFill>
+                  <a:schemeClr val="bg1"/>
+                </a:solidFill>
+              </a:rPr>
+              <a:t>Registracija</a:t>
+            </a:r>
+            <a:r>
+              <a:rPr lang="en-US" dirty="0">
+                <a:solidFill>
+                  <a:schemeClr val="bg1"/>
+                </a:solidFill>
+              </a:rPr>
+              <a:t>/</a:t>
+            </a:r>
+            <a:r>
+              <a:rPr lang="en-US" dirty="0" err="1">
+                <a:solidFill>
+                  <a:schemeClr val="bg1"/>
+                </a:solidFill>
+              </a:rPr>
+              <a:t>prijava</a:t>
+            </a:r>
+            <a:r>
+              <a:rPr lang="en-US" dirty="0">
+                <a:solidFill>
+                  <a:schemeClr val="bg1"/>
+                </a:solidFill>
+              </a:rPr>
+              <a:t> </a:t>
+            </a:r>
+            <a:r>
+              <a:rPr lang="en-US" dirty="0" err="1">
+                <a:solidFill>
+                  <a:schemeClr val="bg1"/>
+                </a:solidFill>
+              </a:rPr>
+              <a:t>korisnika</a:t>
+            </a:r>
+            <a:endParaRPr lang="en-US" dirty="0">
+              <a:solidFill>
+                <a:schemeClr val="bg1"/>
+              </a:solidFill>
+            </a:endParaRPr>
+          </a:p>
+          <a:p>
+            <a:r>
+              <a:rPr lang="en-US" dirty="0" err="1">
+                <a:solidFill>
+                  <a:schemeClr val="bg1"/>
+                </a:solidFill>
+              </a:rPr>
+              <a:t>Dokumentacija</a:t>
+            </a:r>
+            <a:endParaRPr lang="en-US" dirty="0">
+              <a:solidFill>
+                <a:schemeClr val="bg1"/>
+              </a:solidFill>
+            </a:endParaRPr>
+          </a:p>
+          <a:p>
+            <a:endParaRPr lang="en-US" dirty="0">
+              <a:solidFill>
+                <a:schemeClr val="bg1"/>
+              </a:solidFill>
+            </a:endParaRPr>
           </a:p>
         </p:txBody>
       </p:sp>
@@ -8701,40 +8923,43 @@
           <a:p>
             <a:r>
               <a:rPr lang="en-US" dirty="0"/>
-              <a:t>Velocity report</a:t>
-            </a:r>
-          </a:p>
-        </p:txBody>
-      </p:sp>
-      <p:sp>
-        <p:nvSpPr>
-          <p:cNvPr id="3" name="Rezervirano mjesto sadržaja 2">
+              <a:t>Sprint burndown chart</a:t>
+            </a:r>
+          </a:p>
+        </p:txBody>
+      </p:sp>
+      <p:pic>
+        <p:nvPicPr>
+          <p:cNvPr id="4" name="Rezervirano mjesto sadržaja 3">
             <a:extLst>
               <a:ext uri="{FF2B5EF4-FFF2-40B4-BE49-F238E27FC236}">
-                <a16:creationId xmlns:a16="http://schemas.microsoft.com/office/drawing/2014/main" id="{B38D4266-9394-57DE-EFE4-79B8EE4CB32A}"/>
+                <a16:creationId xmlns:a16="http://schemas.microsoft.com/office/drawing/2014/main" id="{F37C0D94-64D1-DE6E-F2D1-BB05E0832DBE}"/>
               </a:ext>
             </a:extLst>
           </p:cNvPr>
-          <p:cNvSpPr>
-            <a:spLocks noGrp="1"/>
-          </p:cNvSpPr>
+          <p:cNvPicPr>
+            <a:picLocks noGrp="1" noChangeAspect="1"/>
+          </p:cNvPicPr>
           <p:nvPr>
             <p:ph idx="1"/>
           </p:nvPr>
-        </p:nvSpPr>
-        <p:spPr/>
-        <p:txBody>
-          <a:bodyPr/>
-          <a:lstStyle/>
-          <a:p>
-            <a:endParaRPr lang="en-US" dirty="0">
-              <a:solidFill>
-                <a:schemeClr val="bg1"/>
-              </a:solidFill>
-            </a:endParaRPr>
-          </a:p>
-        </p:txBody>
-      </p:sp>
+        </p:nvPicPr>
+        <p:blipFill>
+          <a:blip r:embed="rId2"/>
+          <a:stretch>
+            <a:fillRect/>
+          </a:stretch>
+        </p:blipFill>
+        <p:spPr>
+          <a:xfrm>
+            <a:off x="885042" y="2336800"/>
+            <a:ext cx="9205891" cy="3598863"/>
+          </a:xfrm>
+          <a:prstGeom prst="rect">
+            <a:avLst/>
+          </a:prstGeom>
+        </p:spPr>
+      </p:pic>
     </p:spTree>
     <p:extLst>
       <p:ext uri="{BB962C8B-B14F-4D97-AF65-F5344CB8AC3E}">
@@ -8831,6 +9056,254 @@
           <a:bodyPr/>
           <a:lstStyle/>
           <a:p>
+            <a:r>
+              <a:rPr lang="hr-HR" dirty="0">
+                <a:solidFill>
+                  <a:schemeClr val="bg1"/>
+                </a:solidFill>
+              </a:rPr>
+              <a:t>Stipe: Trebalo mi je više </a:t>
+            </a:r>
+            <a:r>
+              <a:rPr lang="hr-HR" dirty="0" err="1">
+                <a:solidFill>
+                  <a:schemeClr val="bg1"/>
+                </a:solidFill>
+              </a:rPr>
+              <a:t>vremena,u</a:t>
+            </a:r>
+            <a:r>
+              <a:rPr lang="hr-HR" dirty="0">
+                <a:solidFill>
+                  <a:schemeClr val="bg1"/>
+                </a:solidFill>
+              </a:rPr>
+              <a:t> sljedećem sprintu ću </a:t>
+            </a:r>
+            <a:r>
+              <a:rPr lang="hr-HR" dirty="0" err="1">
+                <a:solidFill>
+                  <a:schemeClr val="bg1"/>
+                </a:solidFill>
+              </a:rPr>
+              <a:t>refaktorirati</a:t>
+            </a:r>
+            <a:r>
+              <a:rPr lang="hr-HR" dirty="0">
+                <a:solidFill>
+                  <a:schemeClr val="bg1"/>
+                </a:solidFill>
+              </a:rPr>
+              <a:t> kod</a:t>
+            </a:r>
+          </a:p>
+          <a:p>
+            <a:r>
+              <a:rPr lang="hr-HR" dirty="0">
+                <a:solidFill>
+                  <a:schemeClr val="bg1"/>
+                </a:solidFill>
+              </a:rPr>
+              <a:t>Marko: u ovom sprintu smo implementirali kostur naše stranice. Za sljedeći sprint nam je ostala implementacija ostalih značajki</a:t>
+            </a:r>
+            <a:endParaRPr lang="en-US" dirty="0">
+              <a:solidFill>
+                <a:schemeClr val="bg1"/>
+              </a:solidFill>
+            </a:endParaRPr>
+          </a:p>
+          <a:p>
+            <a:r>
+              <a:rPr lang="en-US" dirty="0" err="1">
+                <a:solidFill>
+                  <a:schemeClr val="bg1"/>
+                </a:solidFill>
+              </a:rPr>
+              <a:t>Jakov</a:t>
+            </a:r>
+            <a:r>
+              <a:rPr lang="en-US" dirty="0">
+                <a:solidFill>
+                  <a:schemeClr val="bg1"/>
+                </a:solidFill>
+              </a:rPr>
+              <a:t>: </a:t>
+            </a:r>
+            <a:r>
+              <a:rPr lang="en-US" dirty="0" err="1">
+                <a:solidFill>
+                  <a:schemeClr val="bg1"/>
+                </a:solidFill>
+              </a:rPr>
+              <a:t>Naučili</a:t>
+            </a:r>
+            <a:r>
+              <a:rPr lang="en-US" dirty="0">
+                <a:solidFill>
+                  <a:schemeClr val="bg1"/>
+                </a:solidFill>
+              </a:rPr>
+              <a:t> </a:t>
+            </a:r>
+            <a:r>
+              <a:rPr lang="en-US" dirty="0" err="1">
+                <a:solidFill>
+                  <a:schemeClr val="bg1"/>
+                </a:solidFill>
+              </a:rPr>
+              <a:t>smo</a:t>
+            </a:r>
+            <a:r>
+              <a:rPr lang="en-US" dirty="0">
+                <a:solidFill>
+                  <a:schemeClr val="bg1"/>
+                </a:solidFill>
+              </a:rPr>
+              <a:t> </a:t>
+            </a:r>
+            <a:r>
+              <a:rPr lang="en-US" dirty="0" err="1">
+                <a:solidFill>
+                  <a:schemeClr val="bg1"/>
+                </a:solidFill>
+              </a:rPr>
+              <a:t>dosta</a:t>
+            </a:r>
+            <a:r>
+              <a:rPr lang="en-US" dirty="0">
+                <a:solidFill>
+                  <a:schemeClr val="bg1"/>
+                </a:solidFill>
+              </a:rPr>
+              <a:t> o </a:t>
+            </a:r>
+            <a:r>
+              <a:rPr lang="en-US" dirty="0" err="1">
+                <a:solidFill>
+                  <a:schemeClr val="bg1"/>
+                </a:solidFill>
+              </a:rPr>
+              <a:t>novim</a:t>
+            </a:r>
+            <a:r>
+              <a:rPr lang="en-US" dirty="0">
+                <a:solidFill>
+                  <a:schemeClr val="bg1"/>
+                </a:solidFill>
+              </a:rPr>
+              <a:t> </a:t>
+            </a:r>
+            <a:r>
+              <a:rPr lang="en-US" dirty="0" err="1">
+                <a:solidFill>
+                  <a:schemeClr val="bg1"/>
+                </a:solidFill>
+              </a:rPr>
+              <a:t>tehnologijama</a:t>
+            </a:r>
+            <a:r>
+              <a:rPr lang="en-US" dirty="0">
+                <a:solidFill>
+                  <a:schemeClr val="bg1"/>
+                </a:solidFill>
+              </a:rPr>
+              <a:t>, u </a:t>
+            </a:r>
+            <a:r>
+              <a:rPr lang="en-US" dirty="0" err="1">
+                <a:solidFill>
+                  <a:schemeClr val="bg1"/>
+                </a:solidFill>
+              </a:rPr>
+              <a:t>sljedećem</a:t>
+            </a:r>
+            <a:r>
+              <a:rPr lang="en-US" dirty="0">
+                <a:solidFill>
+                  <a:schemeClr val="bg1"/>
+                </a:solidFill>
+              </a:rPr>
+              <a:t> </a:t>
+            </a:r>
+            <a:r>
+              <a:rPr lang="en-US" dirty="0" err="1">
+                <a:solidFill>
+                  <a:schemeClr val="bg1"/>
+                </a:solidFill>
+              </a:rPr>
+              <a:t>sprintu</a:t>
+            </a:r>
+            <a:r>
+              <a:rPr lang="en-US" dirty="0">
+                <a:solidFill>
+                  <a:schemeClr val="bg1"/>
+                </a:solidFill>
+              </a:rPr>
+              <a:t> </a:t>
+            </a:r>
+            <a:r>
+              <a:rPr lang="en-US" dirty="0" err="1">
+                <a:solidFill>
+                  <a:schemeClr val="bg1"/>
+                </a:solidFill>
+              </a:rPr>
+              <a:t>moramo</a:t>
+            </a:r>
+            <a:r>
+              <a:rPr lang="en-US" dirty="0">
+                <a:solidFill>
+                  <a:schemeClr val="bg1"/>
+                </a:solidFill>
+              </a:rPr>
+              <a:t> </a:t>
+            </a:r>
+            <a:r>
+              <a:rPr lang="en-US" dirty="0" err="1">
+                <a:solidFill>
+                  <a:schemeClr val="bg1"/>
+                </a:solidFill>
+              </a:rPr>
+              <a:t>bolje</a:t>
+            </a:r>
+            <a:r>
+              <a:rPr lang="en-US" dirty="0">
+                <a:solidFill>
+                  <a:schemeClr val="bg1"/>
+                </a:solidFill>
+              </a:rPr>
+              <a:t> </a:t>
+            </a:r>
+            <a:r>
+              <a:rPr lang="en-US" dirty="0" err="1">
+                <a:solidFill>
+                  <a:schemeClr val="bg1"/>
+                </a:solidFill>
+              </a:rPr>
+              <a:t>procijeniti</a:t>
+            </a:r>
+            <a:r>
+              <a:rPr lang="en-US" dirty="0">
+                <a:solidFill>
+                  <a:schemeClr val="bg1"/>
+                </a:solidFill>
+              </a:rPr>
+              <a:t> </a:t>
+            </a:r>
+            <a:r>
+              <a:rPr lang="en-US" dirty="0" err="1">
+                <a:solidFill>
+                  <a:schemeClr val="bg1"/>
+                </a:solidFill>
+              </a:rPr>
+              <a:t>vrijeme</a:t>
+            </a:r>
+            <a:endParaRPr lang="hr-HR" dirty="0">
+              <a:solidFill>
+                <a:schemeClr val="bg1"/>
+              </a:solidFill>
+            </a:endParaRPr>
+          </a:p>
+          <a:p>
             <a:endParaRPr lang="en-US" dirty="0">
               <a:solidFill>
                 <a:schemeClr val="bg1"/>
@@ -8853,6 +9326,66 @@
 </file>
 
 <file path=ppt/slides/slide7.xml><?xml version="1.0" encoding="utf-8"?>
+<p:sld xmlns:a="http://schemas.openxmlformats.org/drawingml/2006/main" xmlns:r="http://schemas.openxmlformats.org/officeDocument/2006/relationships" xmlns:p="http://schemas.openxmlformats.org/presentationml/2006/main">
+  <p:cSld>
+    <p:spTree>
+      <p:nvGrpSpPr>
+        <p:cNvPr id="1" name=""/>
+        <p:cNvGrpSpPr/>
+        <p:nvPr/>
+      </p:nvGrpSpPr>
+      <p:grpSpPr>
+        <a:xfrm>
+          <a:off x="0" y="0"/>
+          <a:ext cx="0" cy="0"/>
+          <a:chOff x="0" y="0"/>
+          <a:chExt cx="0" cy="0"/>
+        </a:xfrm>
+      </p:grpSpPr>
+      <p:pic>
+        <p:nvPicPr>
+          <p:cNvPr id="2" name="Content Placeholder 4">
+            <a:extLst>
+              <a:ext uri="{FF2B5EF4-FFF2-40B4-BE49-F238E27FC236}">
+                <a16:creationId xmlns:a16="http://schemas.microsoft.com/office/drawing/2014/main" id="{FB7327C3-5999-B3A9-BF82-27F3786F673C}"/>
+              </a:ext>
+            </a:extLst>
+          </p:cNvPr>
+          <p:cNvPicPr>
+            <a:picLocks noGrp="1" noChangeAspect="1"/>
+          </p:cNvPicPr>
+          <p:nvPr/>
+        </p:nvPicPr>
+        <p:blipFill>
+          <a:blip r:embed="rId2"/>
+          <a:stretch>
+            <a:fillRect/>
+          </a:stretch>
+        </p:blipFill>
+        <p:spPr>
+          <a:xfrm>
+            <a:off x="4300294" y="1629569"/>
+            <a:ext cx="3591411" cy="3598863"/>
+          </a:xfrm>
+          <a:prstGeom prst="rect">
+            <a:avLst/>
+          </a:prstGeom>
+        </p:spPr>
+      </p:pic>
+    </p:spTree>
+    <p:extLst>
+      <p:ext uri="{BB962C8B-B14F-4D97-AF65-F5344CB8AC3E}">
+        <p14:creationId xmlns:p14="http://schemas.microsoft.com/office/powerpoint/2010/main" val="2483527902"/>
+      </p:ext>
+    </p:extLst>
+  </p:cSld>
+  <p:clrMapOvr>
+    <a:masterClrMapping/>
+  </p:clrMapOvr>
+</p:sld>
+</file>
+
+<file path=ppt/slides/slide8.xml><?xml version="1.0" encoding="utf-8"?>
 <p:sld xmlns:a="http://schemas.openxmlformats.org/drawingml/2006/main" xmlns:r="http://schemas.openxmlformats.org/officeDocument/2006/relationships" xmlns:p="http://schemas.openxmlformats.org/presentationml/2006/main">
   <p:cSld>
     <p:spTree>

--- a/Testni_plan.pptx
+++ b/Testni_plan.pptx
@@ -9057,54 +9057,20 @@
           <a:lstStyle/>
           <a:p>
             <a:r>
+              <a:rPr lang="en-US" dirty="0">
+                <a:solidFill>
+                  <a:schemeClr val="bg1"/>
+                </a:solidFill>
+              </a:rPr>
+              <a:t>U </a:t>
+            </a:r>
+            <a:r>
               <a:rPr lang="hr-HR" dirty="0">
                 <a:solidFill>
                   <a:schemeClr val="bg1"/>
                 </a:solidFill>
               </a:rPr>
-              <a:t>Stipe: Trebalo mi je više </a:t>
-            </a:r>
-            <a:r>
-              <a:rPr lang="hr-HR" dirty="0" err="1">
-                <a:solidFill>
-                  <a:schemeClr val="bg1"/>
-                </a:solidFill>
-              </a:rPr>
-              <a:t>vremena,u</a:t>
-            </a:r>
-            <a:r>
-              <a:rPr lang="hr-HR" dirty="0">
-                <a:solidFill>
-                  <a:schemeClr val="bg1"/>
-                </a:solidFill>
-              </a:rPr>
-              <a:t> sljedećem sprintu ću </a:t>
-            </a:r>
-            <a:r>
-              <a:rPr lang="hr-HR" dirty="0" err="1">
-                <a:solidFill>
-                  <a:schemeClr val="bg1"/>
-                </a:solidFill>
-              </a:rPr>
-              <a:t>refaktorirati</a:t>
-            </a:r>
-            <a:r>
-              <a:rPr lang="hr-HR" dirty="0">
-                <a:solidFill>
-                  <a:schemeClr val="bg1"/>
-                </a:solidFill>
-              </a:rPr>
-              <a:t> kod</a:t>
-            </a:r>
-          </a:p>
-          <a:p>
-            <a:r>
-              <a:rPr lang="hr-HR" dirty="0">
-                <a:solidFill>
-                  <a:schemeClr val="bg1"/>
-                </a:solidFill>
-              </a:rPr>
-              <a:t>Marko: u ovom sprintu smo implementirali kostur naše stranice. Za sljedeći sprint nam je ostala implementacija ostalih značajki</a:t>
+              <a:t>ovom sprintu smo implementirali kostur naše stranice. Za sljedeći sprint nam je ostala implementacija ostalih značajki</a:t>
             </a:r>
             <a:endParaRPr lang="en-US" dirty="0">
               <a:solidFill>
@@ -9119,22 +9085,6 @@
                   <a:schemeClr val="bg1"/>
                 </a:solidFill>
               </a:rPr>
-              <a:t>Jakov</a:t>
-            </a:r>
-            <a:r>
-              <a:rPr lang="en-US" dirty="0">
-                <a:solidFill>
-                  <a:schemeClr val="bg1"/>
-                </a:solidFill>
-              </a:rPr>
-              <a:t>: </a:t>
-            </a:r>
-            <a:r>
-              <a:rPr lang="en-US" dirty="0" err="1">
-                <a:solidFill>
-                  <a:schemeClr val="bg1"/>
-                </a:solidFill>
-              </a:rPr>
               <a:t>Naučili</a:t>
             </a:r>
             <a:r>
@@ -9207,7 +9157,7 @@
                   <a:schemeClr val="bg1"/>
                 </a:solidFill>
               </a:rPr>
-              <a:t>, u </a:t>
+              <a:t>, a u </a:t>
             </a:r>
             <a:r>
               <a:rPr lang="en-US" dirty="0" err="1">

--- a/Testni_plan.pptx
+++ b/Testni_plan.pptx
@@ -8,7 +8,7 @@
     <p:sldId id="256" r:id="rId2"/>
     <p:sldId id="262" r:id="rId3"/>
     <p:sldId id="263" r:id="rId4"/>
-    <p:sldId id="264" r:id="rId5"/>
+    <p:sldId id="271" r:id="rId5"/>
     <p:sldId id="265" r:id="rId6"/>
     <p:sldId id="266" r:id="rId7"/>
     <p:sldId id="270" r:id="rId8"/>
@@ -8133,47 +8133,23 @@
                   <a:schemeClr val="bg1"/>
                 </a:solidFill>
               </a:rPr>
-              <a:t>, a </a:t>
-            </a:r>
-            <a:r>
-              <a:rPr lang="en-US" dirty="0" err="1">
+              <a:t>, </a:t>
+            </a:r>
+            <a:r>
+              <a:rPr lang="hr-HR" dirty="0">
                 <a:solidFill>
                   <a:schemeClr val="bg1"/>
                 </a:solidFill>
               </a:rPr>
-              <a:t>unajmljivači</a:t>
-            </a:r>
-            <a:r>
-              <a:rPr lang="en-US" dirty="0">
+              <a:t>i potencijalne mušterije će ih jednostavno </a:t>
+            </a:r>
+            <a:r>
+              <a:rPr lang="hr-HR">
                 <a:solidFill>
                   <a:schemeClr val="bg1"/>
                 </a:solidFill>
               </a:rPr>
-              <a:t> </a:t>
-            </a:r>
-            <a:r>
-              <a:rPr lang="en-US" dirty="0" err="1">
-                <a:solidFill>
-                  <a:schemeClr val="bg1"/>
-                </a:solidFill>
-              </a:rPr>
-              <a:t>iznajmiti</a:t>
-            </a:r>
-            <a:r>
-              <a:rPr lang="en-US" dirty="0">
-                <a:solidFill>
-                  <a:schemeClr val="bg1"/>
-                </a:solidFill>
-              </a:rPr>
-              <a:t> </a:t>
-            </a:r>
-            <a:r>
-              <a:rPr lang="en-US" dirty="0" err="1">
-                <a:solidFill>
-                  <a:schemeClr val="bg1"/>
-                </a:solidFill>
-              </a:rPr>
-              <a:t>iste</a:t>
+              <a:t>moći unajmiti</a:t>
             </a:r>
             <a:endParaRPr lang="hr-HR" dirty="0">
               <a:solidFill>
@@ -8631,249 +8607,374 @@
       </p:grpSpPr>
       <p:sp>
         <p:nvSpPr>
-          <p:cNvPr id="2" name="Naslov 1">
+          <p:cNvPr id="2" name="TekstniOkvir 1">
             <a:extLst>
               <a:ext uri="{FF2B5EF4-FFF2-40B4-BE49-F238E27FC236}">
-                <a16:creationId xmlns:a16="http://schemas.microsoft.com/office/drawing/2014/main" id="{2A54C88F-7274-80DF-C61D-1A2E4E37C0F7}"/>
+                <a16:creationId xmlns:a16="http://schemas.microsoft.com/office/drawing/2014/main" id="{89BE7746-8B28-953A-A4DE-0385EC7A78FD}"/>
               </a:ext>
             </a:extLst>
           </p:cNvPr>
-          <p:cNvSpPr>
-            <a:spLocks noGrp="1"/>
-          </p:cNvSpPr>
-          <p:nvPr>
-            <p:ph type="title"/>
-          </p:nvPr>
-        </p:nvSpPr>
-        <p:spPr/>
-        <p:txBody>
-          <a:bodyPr/>
+          <p:cNvSpPr txBox="1"/>
+          <p:nvPr/>
+        </p:nvSpPr>
+        <p:spPr>
+          <a:xfrm>
+            <a:off x="1526875" y="1427939"/>
+            <a:ext cx="8686800" cy="4002121"/>
+          </a:xfrm>
+          <a:prstGeom prst="rect">
+            <a:avLst/>
+          </a:prstGeom>
+          <a:noFill/>
+        </p:spPr>
+        <p:txBody>
+          <a:bodyPr wrap="square" rtlCol="0">
+            <a:spAutoFit/>
+          </a:bodyPr>
           <a:lstStyle/>
           <a:p>
-            <a:endParaRPr lang="en-US"/>
-          </a:p>
-        </p:txBody>
-      </p:sp>
-      <p:sp>
-        <p:nvSpPr>
-          <p:cNvPr id="3" name="Rezervirano mjesto sadržaja 2">
-            <a:extLst>
-              <a:ext uri="{FF2B5EF4-FFF2-40B4-BE49-F238E27FC236}">
-                <a16:creationId xmlns:a16="http://schemas.microsoft.com/office/drawing/2014/main" id="{B38D4266-9394-57DE-EFE4-79B8EE4CB32A}"/>
-              </a:ext>
-            </a:extLst>
-          </p:cNvPr>
-          <p:cNvSpPr>
-            <a:spLocks noGrp="1"/>
-          </p:cNvSpPr>
-          <p:nvPr>
-            <p:ph idx="1"/>
-          </p:nvPr>
-        </p:nvSpPr>
-        <p:spPr/>
-        <p:txBody>
-          <a:bodyPr/>
-          <a:lstStyle/>
-          <a:p>
-            <a:pPr marL="0" indent="0">
-              <a:buNone/>
+            <a:pPr marL="0" indent="0" algn="l" rtl="0" eaLnBrk="1" latinLnBrk="0" hangingPunct="1">
+              <a:lnSpc>
+                <a:spcPct val="90000"/>
+              </a:lnSpc>
+              <a:spcBef>
+                <a:spcPts val="1000"/>
+              </a:spcBef>
+              <a:spcAft>
+                <a:spcPts val="0"/>
+              </a:spcAft>
             </a:pPr>
             <a:r>
-              <a:rPr lang="en-US" dirty="0" err="1">
-                <a:solidFill>
-                  <a:schemeClr val="bg1"/>
-                </a:solidFill>
+              <a:rPr lang="en-US" sz="3600" kern="1200" dirty="0" err="1">
+                <a:solidFill>
+                  <a:srgbClr val="000000"/>
+                </a:solidFill>
+                <a:effectLst/>
+                <a:latin typeface="Trebuchet MS" panose="020B0603020202020204" pitchFamily="34" charset="0"/>
+                <a:ea typeface="+mn-ea"/>
+                <a:cs typeface="+mn-cs"/>
               </a:rPr>
               <a:t>Realizirali</a:t>
             </a:r>
             <a:r>
-              <a:rPr lang="en-US" dirty="0">
-                <a:solidFill>
-                  <a:schemeClr val="bg1"/>
-                </a:solidFill>
+              <a:rPr lang="en-US" sz="3600" kern="1200" dirty="0">
+                <a:solidFill>
+                  <a:srgbClr val="000000"/>
+                </a:solidFill>
+                <a:effectLst/>
+                <a:latin typeface="Trebuchet MS" panose="020B0603020202020204" pitchFamily="34" charset="0"/>
+                <a:ea typeface="+mn-ea"/>
+                <a:cs typeface="+mn-cs"/>
               </a:rPr>
               <a:t> </a:t>
             </a:r>
             <a:r>
-              <a:rPr lang="en-US" dirty="0" err="1">
-                <a:solidFill>
-                  <a:schemeClr val="bg1"/>
-                </a:solidFill>
+              <a:rPr lang="en-US" sz="3600" kern="1200" dirty="0" err="1">
+                <a:solidFill>
+                  <a:srgbClr val="000000"/>
+                </a:solidFill>
+                <a:effectLst/>
+                <a:latin typeface="Trebuchet MS" panose="020B0603020202020204" pitchFamily="34" charset="0"/>
+                <a:ea typeface="+mn-ea"/>
+                <a:cs typeface="+mn-cs"/>
               </a:rPr>
               <a:t>smo</a:t>
             </a:r>
             <a:r>
-              <a:rPr lang="en-US" dirty="0">
-                <a:solidFill>
-                  <a:schemeClr val="bg1"/>
-                </a:solidFill>
+              <a:rPr lang="en-US" sz="3600" kern="1200" dirty="0">
+                <a:solidFill>
+                  <a:srgbClr val="000000"/>
+                </a:solidFill>
+                <a:effectLst/>
+                <a:latin typeface="Trebuchet MS" panose="020B0603020202020204" pitchFamily="34" charset="0"/>
+                <a:ea typeface="+mn-ea"/>
+                <a:cs typeface="+mn-cs"/>
               </a:rPr>
               <a:t>:</a:t>
             </a:r>
-          </a:p>
-          <a:p>
-            <a:r>
-              <a:rPr lang="en-US" dirty="0" err="1">
-                <a:solidFill>
-                  <a:schemeClr val="bg1"/>
-                </a:solidFill>
+            <a:endParaRPr lang="hr-HR" sz="3600" dirty="0">
+              <a:effectLst/>
+            </a:endParaRPr>
+          </a:p>
+          <a:p>
+            <a:pPr marL="571500" indent="-571500" algn="l" rtl="0" eaLnBrk="1" latinLnBrk="0" hangingPunct="1">
+              <a:lnSpc>
+                <a:spcPct val="90000"/>
+              </a:lnSpc>
+              <a:spcBef>
+                <a:spcPts val="1000"/>
+              </a:spcBef>
+              <a:spcAft>
+                <a:spcPts val="0"/>
+              </a:spcAft>
+              <a:buFont typeface="Arial" panose="020B0604020202020204" pitchFamily="34" charset="0"/>
+              <a:buChar char="•"/>
+            </a:pPr>
+            <a:r>
+              <a:rPr lang="en-US" sz="3600" kern="1200" dirty="0" err="1">
+                <a:solidFill>
+                  <a:srgbClr val="000000"/>
+                </a:solidFill>
+                <a:effectLst/>
+                <a:latin typeface="Trebuchet MS" panose="020B0603020202020204" pitchFamily="34" charset="0"/>
+                <a:ea typeface="+mn-ea"/>
+                <a:cs typeface="+mn-cs"/>
               </a:rPr>
               <a:t>Vanjski</a:t>
             </a:r>
             <a:r>
-              <a:rPr lang="en-US" dirty="0">
-                <a:solidFill>
-                  <a:schemeClr val="bg1"/>
-                </a:solidFill>
+              <a:rPr lang="en-US" sz="3600" kern="1200" dirty="0">
+                <a:solidFill>
+                  <a:srgbClr val="000000"/>
+                </a:solidFill>
+                <a:effectLst/>
+                <a:latin typeface="Trebuchet MS" panose="020B0603020202020204" pitchFamily="34" charset="0"/>
+                <a:ea typeface="+mn-ea"/>
+                <a:cs typeface="+mn-cs"/>
               </a:rPr>
               <a:t> </a:t>
             </a:r>
             <a:r>
-              <a:rPr lang="en-US" dirty="0" err="1">
-                <a:solidFill>
-                  <a:schemeClr val="bg1"/>
-                </a:solidFill>
+              <a:rPr lang="en-US" sz="3600" kern="1200" dirty="0" err="1">
+                <a:solidFill>
+                  <a:srgbClr val="000000"/>
+                </a:solidFill>
+                <a:effectLst/>
+                <a:latin typeface="Trebuchet MS" panose="020B0603020202020204" pitchFamily="34" charset="0"/>
+                <a:ea typeface="+mn-ea"/>
+                <a:cs typeface="+mn-cs"/>
               </a:rPr>
               <a:t>izgled</a:t>
             </a:r>
             <a:r>
-              <a:rPr lang="en-US" dirty="0">
-                <a:solidFill>
-                  <a:schemeClr val="bg1"/>
-                </a:solidFill>
+              <a:rPr lang="en-US" sz="3600" kern="1200" dirty="0">
+                <a:solidFill>
+                  <a:srgbClr val="000000"/>
+                </a:solidFill>
+                <a:effectLst/>
+                <a:latin typeface="Trebuchet MS" panose="020B0603020202020204" pitchFamily="34" charset="0"/>
+                <a:ea typeface="+mn-ea"/>
+                <a:cs typeface="+mn-cs"/>
               </a:rPr>
               <a:t> </a:t>
             </a:r>
             <a:r>
-              <a:rPr lang="en-US" dirty="0" err="1">
-                <a:solidFill>
-                  <a:schemeClr val="bg1"/>
-                </a:solidFill>
+              <a:rPr lang="en-US" sz="3600" kern="1200" dirty="0" err="1">
+                <a:solidFill>
+                  <a:srgbClr val="000000"/>
+                </a:solidFill>
+                <a:effectLst/>
+                <a:latin typeface="Trebuchet MS" panose="020B0603020202020204" pitchFamily="34" charset="0"/>
+                <a:ea typeface="+mn-ea"/>
+                <a:cs typeface="+mn-cs"/>
               </a:rPr>
               <a:t>stranice</a:t>
             </a:r>
-            <a:endParaRPr lang="en-US" dirty="0">
-              <a:solidFill>
-                <a:schemeClr val="bg1"/>
-              </a:solidFill>
+            <a:endParaRPr lang="hr-HR" sz="3600" dirty="0">
+              <a:effectLst/>
             </a:endParaRPr>
           </a:p>
           <a:p>
-            <a:r>
-              <a:rPr lang="en-US" dirty="0">
-                <a:solidFill>
-                  <a:schemeClr val="bg1"/>
-                </a:solidFill>
+            <a:pPr marL="571500" indent="-571500" algn="l" rtl="0" eaLnBrk="1" latinLnBrk="0" hangingPunct="1">
+              <a:lnSpc>
+                <a:spcPct val="90000"/>
+              </a:lnSpc>
+              <a:spcBef>
+                <a:spcPts val="1000"/>
+              </a:spcBef>
+              <a:spcAft>
+                <a:spcPts val="0"/>
+              </a:spcAft>
+              <a:buFont typeface="Arial" panose="020B0604020202020204" pitchFamily="34" charset="0"/>
+              <a:buChar char="•"/>
+            </a:pPr>
+            <a:r>
+              <a:rPr lang="en-US" sz="3600" kern="1200" dirty="0">
+                <a:solidFill>
+                  <a:srgbClr val="000000"/>
+                </a:solidFill>
+                <a:effectLst/>
+                <a:latin typeface="Trebuchet MS" panose="020B0603020202020204" pitchFamily="34" charset="0"/>
+                <a:ea typeface="+mn-ea"/>
+                <a:cs typeface="+mn-cs"/>
               </a:rPr>
               <a:t>Backend</a:t>
             </a:r>
-          </a:p>
-          <a:p>
-            <a:r>
-              <a:rPr lang="en-US" dirty="0" err="1">
-                <a:solidFill>
-                  <a:schemeClr val="bg1"/>
-                </a:solidFill>
+            <a:endParaRPr lang="hr-HR" sz="3600" dirty="0">
+              <a:effectLst/>
+            </a:endParaRPr>
+          </a:p>
+          <a:p>
+            <a:pPr marL="571500" indent="-571500" algn="l" rtl="0" eaLnBrk="1" latinLnBrk="0" hangingPunct="1">
+              <a:lnSpc>
+                <a:spcPct val="90000"/>
+              </a:lnSpc>
+              <a:spcBef>
+                <a:spcPts val="1000"/>
+              </a:spcBef>
+              <a:spcAft>
+                <a:spcPts val="0"/>
+              </a:spcAft>
+              <a:buFont typeface="Arial" panose="020B0604020202020204" pitchFamily="34" charset="0"/>
+              <a:buChar char="•"/>
+            </a:pPr>
+            <a:r>
+              <a:rPr lang="en-US" sz="3600" kern="1200" dirty="0" err="1">
+                <a:solidFill>
+                  <a:srgbClr val="000000"/>
+                </a:solidFill>
+                <a:effectLst/>
+                <a:latin typeface="Trebuchet MS" panose="020B0603020202020204" pitchFamily="34" charset="0"/>
+                <a:ea typeface="+mn-ea"/>
+                <a:cs typeface="+mn-cs"/>
               </a:rPr>
               <a:t>Baza</a:t>
             </a:r>
             <a:r>
-              <a:rPr lang="en-US" dirty="0">
-                <a:solidFill>
-                  <a:schemeClr val="bg1"/>
-                </a:solidFill>
+              <a:rPr lang="en-US" sz="3600" kern="1200" dirty="0">
+                <a:solidFill>
+                  <a:srgbClr val="000000"/>
+                </a:solidFill>
+                <a:effectLst/>
+                <a:latin typeface="Trebuchet MS" panose="020B0603020202020204" pitchFamily="34" charset="0"/>
+                <a:ea typeface="+mn-ea"/>
+                <a:cs typeface="+mn-cs"/>
               </a:rPr>
               <a:t> </a:t>
             </a:r>
             <a:r>
-              <a:rPr lang="en-US" dirty="0" err="1">
-                <a:solidFill>
-                  <a:schemeClr val="bg1"/>
-                </a:solidFill>
+              <a:rPr lang="en-US" sz="3600" kern="1200" dirty="0" err="1">
+                <a:solidFill>
+                  <a:srgbClr val="000000"/>
+                </a:solidFill>
+                <a:effectLst/>
+                <a:latin typeface="Trebuchet MS" panose="020B0603020202020204" pitchFamily="34" charset="0"/>
+                <a:ea typeface="+mn-ea"/>
+                <a:cs typeface="+mn-cs"/>
               </a:rPr>
               <a:t>podataka</a:t>
             </a:r>
-            <a:endParaRPr lang="en-US" dirty="0">
-              <a:solidFill>
-                <a:schemeClr val="bg1"/>
-              </a:solidFill>
+            <a:endParaRPr lang="hr-HR" sz="3600" dirty="0">
+              <a:effectLst/>
             </a:endParaRPr>
           </a:p>
           <a:p>
-            <a:r>
-              <a:rPr lang="en-US" dirty="0" err="1">
-                <a:solidFill>
-                  <a:schemeClr val="bg1"/>
-                </a:solidFill>
+            <a:pPr marL="571500" indent="-571500" algn="l" rtl="0" eaLnBrk="1" latinLnBrk="0" hangingPunct="1">
+              <a:lnSpc>
+                <a:spcPct val="90000"/>
+              </a:lnSpc>
+              <a:spcBef>
+                <a:spcPts val="1000"/>
+              </a:spcBef>
+              <a:spcAft>
+                <a:spcPts val="0"/>
+              </a:spcAft>
+              <a:buFont typeface="Arial" panose="020B0604020202020204" pitchFamily="34" charset="0"/>
+              <a:buChar char="•"/>
+            </a:pPr>
+            <a:r>
+              <a:rPr lang="en-US" sz="3600" kern="1200" dirty="0" err="1">
+                <a:solidFill>
+                  <a:srgbClr val="000000"/>
+                </a:solidFill>
+                <a:effectLst/>
+                <a:latin typeface="Trebuchet MS" panose="020B0603020202020204" pitchFamily="34" charset="0"/>
+                <a:ea typeface="+mn-ea"/>
+                <a:cs typeface="+mn-cs"/>
               </a:rPr>
               <a:t>Registracija</a:t>
             </a:r>
             <a:r>
-              <a:rPr lang="en-US" dirty="0">
-                <a:solidFill>
-                  <a:schemeClr val="bg1"/>
-                </a:solidFill>
+              <a:rPr lang="en-US" sz="3600" kern="1200" dirty="0">
+                <a:solidFill>
+                  <a:srgbClr val="000000"/>
+                </a:solidFill>
+                <a:effectLst/>
+                <a:latin typeface="Trebuchet MS" panose="020B0603020202020204" pitchFamily="34" charset="0"/>
+                <a:ea typeface="+mn-ea"/>
+                <a:cs typeface="+mn-cs"/>
               </a:rPr>
               <a:t>/</a:t>
             </a:r>
             <a:r>
-              <a:rPr lang="en-US" dirty="0" err="1">
-                <a:solidFill>
-                  <a:schemeClr val="bg1"/>
-                </a:solidFill>
+              <a:rPr lang="en-US" sz="3600" kern="1200" dirty="0" err="1">
+                <a:solidFill>
+                  <a:srgbClr val="000000"/>
+                </a:solidFill>
+                <a:effectLst/>
+                <a:latin typeface="Trebuchet MS" panose="020B0603020202020204" pitchFamily="34" charset="0"/>
+                <a:ea typeface="+mn-ea"/>
+                <a:cs typeface="+mn-cs"/>
               </a:rPr>
               <a:t>prijava</a:t>
             </a:r>
             <a:r>
-              <a:rPr lang="en-US" dirty="0">
-                <a:solidFill>
-                  <a:schemeClr val="bg1"/>
-                </a:solidFill>
+              <a:rPr lang="en-US" sz="3600" kern="1200" dirty="0">
+                <a:solidFill>
+                  <a:srgbClr val="000000"/>
+                </a:solidFill>
+                <a:effectLst/>
+                <a:latin typeface="Trebuchet MS" panose="020B0603020202020204" pitchFamily="34" charset="0"/>
+                <a:ea typeface="+mn-ea"/>
+                <a:cs typeface="+mn-cs"/>
               </a:rPr>
               <a:t> </a:t>
             </a:r>
             <a:r>
-              <a:rPr lang="en-US" dirty="0" err="1">
-                <a:solidFill>
-                  <a:schemeClr val="bg1"/>
-                </a:solidFill>
+              <a:rPr lang="en-US" sz="3600" kern="1200" dirty="0" err="1">
+                <a:solidFill>
+                  <a:srgbClr val="000000"/>
+                </a:solidFill>
+                <a:effectLst/>
+                <a:latin typeface="Trebuchet MS" panose="020B0603020202020204" pitchFamily="34" charset="0"/>
+                <a:ea typeface="+mn-ea"/>
+                <a:cs typeface="+mn-cs"/>
               </a:rPr>
               <a:t>korisnika</a:t>
             </a:r>
-            <a:endParaRPr lang="en-US" dirty="0">
-              <a:solidFill>
-                <a:schemeClr val="bg1"/>
-              </a:solidFill>
+            <a:endParaRPr lang="hr-HR" sz="3600" dirty="0">
+              <a:effectLst/>
             </a:endParaRPr>
           </a:p>
           <a:p>
-            <a:r>
-              <a:rPr lang="en-US" dirty="0" err="1">
-                <a:solidFill>
-                  <a:schemeClr val="bg1"/>
-                </a:solidFill>
+            <a:pPr marL="571500" indent="-571500" algn="l" rtl="0" eaLnBrk="1" latinLnBrk="0" hangingPunct="1">
+              <a:lnSpc>
+                <a:spcPct val="90000"/>
+              </a:lnSpc>
+              <a:spcBef>
+                <a:spcPts val="1000"/>
+              </a:spcBef>
+              <a:spcAft>
+                <a:spcPts val="0"/>
+              </a:spcAft>
+              <a:buFont typeface="Arial" panose="020B0604020202020204" pitchFamily="34" charset="0"/>
+              <a:buChar char="•"/>
+            </a:pPr>
+            <a:r>
+              <a:rPr lang="en-US" sz="3600" kern="1200" dirty="0" err="1">
+                <a:solidFill>
+                  <a:srgbClr val="000000"/>
+                </a:solidFill>
+                <a:effectLst/>
+                <a:latin typeface="Trebuchet MS" panose="020B0603020202020204" pitchFamily="34" charset="0"/>
+                <a:ea typeface="+mn-ea"/>
+                <a:cs typeface="+mn-cs"/>
               </a:rPr>
               <a:t>Dokumentacija</a:t>
             </a:r>
-            <a:endParaRPr lang="en-US" dirty="0">
-              <a:solidFill>
-                <a:schemeClr val="bg1"/>
-              </a:solidFill>
+            <a:endParaRPr lang="hr-HR" sz="3600" dirty="0">
+              <a:effectLst/>
             </a:endParaRPr>
           </a:p>
           <a:p>
-            <a:endParaRPr lang="en-US" dirty="0">
-              <a:solidFill>
-                <a:schemeClr val="bg1"/>
-              </a:solidFill>
-            </a:endParaRPr>
+            <a:endParaRPr lang="hr-HR" dirty="0"/>
           </a:p>
         </p:txBody>
       </p:sp>
     </p:spTree>
     <p:extLst>
       <p:ext uri="{BB962C8B-B14F-4D97-AF65-F5344CB8AC3E}">
-        <p14:creationId xmlns:p14="http://schemas.microsoft.com/office/powerpoint/2010/main" val="3289043059"/>
+        <p14:creationId xmlns:p14="http://schemas.microsoft.com/office/powerpoint/2010/main" val="622917010"/>
       </p:ext>
     </p:extLst>
   </p:cSld>
@@ -9294,15 +9395,15 @@
       </p:grpSpPr>
       <p:pic>
         <p:nvPicPr>
-          <p:cNvPr id="2" name="Content Placeholder 4">
+          <p:cNvPr id="4" name="Slika 3">
             <a:extLst>
               <a:ext uri="{FF2B5EF4-FFF2-40B4-BE49-F238E27FC236}">
-                <a16:creationId xmlns:a16="http://schemas.microsoft.com/office/drawing/2014/main" id="{FB7327C3-5999-B3A9-BF82-27F3786F673C}"/>
+                <a16:creationId xmlns:a16="http://schemas.microsoft.com/office/drawing/2014/main" id="{806B5A3B-2759-76F4-70AC-3709D3C23CC0}"/>
               </a:ext>
             </a:extLst>
           </p:cNvPr>
           <p:cNvPicPr>
-            <a:picLocks noGrp="1" noChangeAspect="1"/>
+            <a:picLocks noChangeAspect="1"/>
           </p:cNvPicPr>
           <p:nvPr/>
         </p:nvPicPr>
@@ -9314,8 +9415,8 @@
         </p:blipFill>
         <p:spPr>
           <a:xfrm>
-            <a:off x="4300294" y="1629569"/>
-            <a:ext cx="3591411" cy="3598863"/>
+            <a:off x="3827653" y="1155947"/>
+            <a:ext cx="4536693" cy="4546105"/>
           </a:xfrm>
           <a:prstGeom prst="rect">
             <a:avLst/>
@@ -9398,31 +9499,6 @@
               <a:rPr lang="en-US" dirty="0"/>
               <a:t>!</a:t>
             </a:r>
-          </a:p>
-        </p:txBody>
-      </p:sp>
-      <p:sp>
-        <p:nvSpPr>
-          <p:cNvPr id="3" name="Rezervirano mjesto teksta 2">
-            <a:extLst>
-              <a:ext uri="{FF2B5EF4-FFF2-40B4-BE49-F238E27FC236}">
-                <a16:creationId xmlns:a16="http://schemas.microsoft.com/office/drawing/2014/main" id="{95DB7194-55D7-AC20-FBF8-DD8698E91E08}"/>
-              </a:ext>
-            </a:extLst>
-          </p:cNvPr>
-          <p:cNvSpPr>
-            <a:spLocks noGrp="1"/>
-          </p:cNvSpPr>
-          <p:nvPr>
-            <p:ph type="body" idx="1"/>
-          </p:nvPr>
-        </p:nvSpPr>
-        <p:spPr/>
-        <p:txBody>
-          <a:bodyPr/>
-          <a:lstStyle/>
-          <a:p>
-            <a:endParaRPr lang="en-US"/>
           </a:p>
         </p:txBody>
       </p:sp>

--- a/Testni_plan.pptx
+++ b/Testni_plan.pptx
@@ -8,7 +8,7 @@
     <p:sldId id="256" r:id="rId2"/>
     <p:sldId id="262" r:id="rId3"/>
     <p:sldId id="263" r:id="rId4"/>
-    <p:sldId id="271" r:id="rId5"/>
+    <p:sldId id="272" r:id="rId5"/>
     <p:sldId id="265" r:id="rId6"/>
     <p:sldId id="266" r:id="rId7"/>
     <p:sldId id="270" r:id="rId8"/>
@@ -8133,7 +8133,7 @@
                   <a:schemeClr val="bg1"/>
                 </a:solidFill>
               </a:rPr>
-              <a:t>, </a:t>
+              <a:t>, a</a:t>
             </a:r>
             <a:r>
               <a:rPr lang="hr-HR" dirty="0">
@@ -8141,21 +8141,48 @@
                   <a:schemeClr val="bg1"/>
                 </a:solidFill>
               </a:rPr>
-              <a:t>i potencijalne mušterije će ih jednostavno </a:t>
-            </a:r>
-            <a:r>
-              <a:rPr lang="hr-HR">
+              <a:t> </a:t>
+            </a:r>
+            <a:r>
+              <a:rPr lang="hr-HR" dirty="0" err="1">
                 <a:solidFill>
                   <a:schemeClr val="bg1"/>
                 </a:solidFill>
               </a:rPr>
-              <a:t>moći unajmiti</a:t>
-            </a:r>
-            <a:endParaRPr lang="hr-HR" dirty="0">
-              <a:solidFill>
-                <a:schemeClr val="bg1"/>
-              </a:solidFill>
-            </a:endParaRPr>
+              <a:t>potencijaln</a:t>
+            </a:r>
+            <a:r>
+              <a:rPr lang="en-US" dirty="0" err="1">
+                <a:solidFill>
+                  <a:schemeClr val="bg1"/>
+                </a:solidFill>
+              </a:rPr>
+              <a:t>i</a:t>
+            </a:r>
+            <a:r>
+              <a:rPr lang="hr-HR" dirty="0">
+                <a:solidFill>
+                  <a:schemeClr val="bg1"/>
+                </a:solidFill>
+              </a:rPr>
+              <a:t> </a:t>
+            </a:r>
+            <a:r>
+              <a:rPr lang="en-US" dirty="0" err="1">
+                <a:solidFill>
+                  <a:schemeClr val="bg1"/>
+                </a:solidFill>
+              </a:rPr>
+              <a:t>gosti</a:t>
+            </a:r>
+            <a:r>
+              <a:rPr lang="hr-HR" dirty="0">
+                <a:solidFill>
+                  <a:schemeClr val="bg1"/>
+                </a:solidFill>
+              </a:rPr>
+              <a:t> će ih jednostavno moći unajmiti</a:t>
+            </a:r>
           </a:p>
         </p:txBody>
       </p:sp>
@@ -8607,374 +8634,249 @@
       </p:grpSpPr>
       <p:sp>
         <p:nvSpPr>
-          <p:cNvPr id="2" name="TekstniOkvir 1">
+          <p:cNvPr id="2" name="Naslov 1">
             <a:extLst>
               <a:ext uri="{FF2B5EF4-FFF2-40B4-BE49-F238E27FC236}">
-                <a16:creationId xmlns:a16="http://schemas.microsoft.com/office/drawing/2014/main" id="{89BE7746-8B28-953A-A4DE-0385EC7A78FD}"/>
+                <a16:creationId xmlns:a16="http://schemas.microsoft.com/office/drawing/2014/main" id="{D66803A6-83C9-875F-0DDB-9F2D5AAA8E24}"/>
               </a:ext>
             </a:extLst>
           </p:cNvPr>
-          <p:cNvSpPr txBox="1"/>
-          <p:nvPr/>
-        </p:nvSpPr>
-        <p:spPr>
-          <a:xfrm>
-            <a:off x="1526875" y="1427939"/>
-            <a:ext cx="8686800" cy="4002121"/>
-          </a:xfrm>
-          <a:prstGeom prst="rect">
-            <a:avLst/>
-          </a:prstGeom>
-          <a:noFill/>
-        </p:spPr>
-        <p:txBody>
-          <a:bodyPr wrap="square" rtlCol="0">
-            <a:spAutoFit/>
-          </a:bodyPr>
+          <p:cNvSpPr>
+            <a:spLocks noGrp="1"/>
+          </p:cNvSpPr>
+          <p:nvPr>
+            <p:ph type="title"/>
+          </p:nvPr>
+        </p:nvSpPr>
+        <p:spPr/>
+        <p:txBody>
+          <a:bodyPr/>
           <a:lstStyle/>
           <a:p>
-            <a:pPr marL="0" indent="0" algn="l" rtl="0" eaLnBrk="1" latinLnBrk="0" hangingPunct="1">
-              <a:lnSpc>
-                <a:spcPct val="90000"/>
-              </a:lnSpc>
-              <a:spcBef>
-                <a:spcPts val="1000"/>
-              </a:spcBef>
-              <a:spcAft>
-                <a:spcPts val="0"/>
-              </a:spcAft>
+            <a:r>
+              <a:rPr lang="en-US" dirty="0" err="1"/>
+              <a:t>Taskovi</a:t>
+            </a:r>
+            <a:endParaRPr lang="en-US" dirty="0"/>
+          </a:p>
+        </p:txBody>
+      </p:sp>
+      <p:sp>
+        <p:nvSpPr>
+          <p:cNvPr id="3" name="Rezervirano mjesto sadržaja 2">
+            <a:extLst>
+              <a:ext uri="{FF2B5EF4-FFF2-40B4-BE49-F238E27FC236}">
+                <a16:creationId xmlns:a16="http://schemas.microsoft.com/office/drawing/2014/main" id="{AFB58CE6-158D-E7A0-195A-A2235A543A8C}"/>
+              </a:ext>
+            </a:extLst>
+          </p:cNvPr>
+          <p:cNvSpPr>
+            <a:spLocks noGrp="1"/>
+          </p:cNvSpPr>
+          <p:nvPr>
+            <p:ph idx="1"/>
+          </p:nvPr>
+        </p:nvSpPr>
+        <p:spPr/>
+        <p:txBody>
+          <a:bodyPr/>
+          <a:lstStyle/>
+          <a:p>
+            <a:pPr marL="0" indent="0">
+              <a:buNone/>
             </a:pPr>
             <a:r>
-              <a:rPr lang="en-US" sz="3600" kern="1200" dirty="0" err="1">
-                <a:solidFill>
-                  <a:srgbClr val="000000"/>
-                </a:solidFill>
-                <a:effectLst/>
-                <a:latin typeface="Trebuchet MS" panose="020B0603020202020204" pitchFamily="34" charset="0"/>
-                <a:ea typeface="+mn-ea"/>
-                <a:cs typeface="+mn-cs"/>
+              <a:rPr lang="en-US" dirty="0" err="1">
+                <a:solidFill>
+                  <a:schemeClr val="bg1"/>
+                </a:solidFill>
               </a:rPr>
               <a:t>Realizirali</a:t>
             </a:r>
             <a:r>
-              <a:rPr lang="en-US" sz="3600" kern="1200" dirty="0">
-                <a:solidFill>
-                  <a:srgbClr val="000000"/>
-                </a:solidFill>
-                <a:effectLst/>
-                <a:latin typeface="Trebuchet MS" panose="020B0603020202020204" pitchFamily="34" charset="0"/>
-                <a:ea typeface="+mn-ea"/>
-                <a:cs typeface="+mn-cs"/>
+              <a:rPr lang="en-US" dirty="0">
+                <a:solidFill>
+                  <a:schemeClr val="bg1"/>
+                </a:solidFill>
               </a:rPr>
               <a:t> </a:t>
             </a:r>
             <a:r>
-              <a:rPr lang="en-US" sz="3600" kern="1200" dirty="0" err="1">
-                <a:solidFill>
-                  <a:srgbClr val="000000"/>
-                </a:solidFill>
-                <a:effectLst/>
-                <a:latin typeface="Trebuchet MS" panose="020B0603020202020204" pitchFamily="34" charset="0"/>
-                <a:ea typeface="+mn-ea"/>
-                <a:cs typeface="+mn-cs"/>
+              <a:rPr lang="en-US" dirty="0" err="1">
+                <a:solidFill>
+                  <a:schemeClr val="bg1"/>
+                </a:solidFill>
               </a:rPr>
               <a:t>smo</a:t>
             </a:r>
             <a:r>
-              <a:rPr lang="en-US" sz="3600" kern="1200" dirty="0">
-                <a:solidFill>
-                  <a:srgbClr val="000000"/>
-                </a:solidFill>
-                <a:effectLst/>
-                <a:latin typeface="Trebuchet MS" panose="020B0603020202020204" pitchFamily="34" charset="0"/>
-                <a:ea typeface="+mn-ea"/>
-                <a:cs typeface="+mn-cs"/>
+              <a:rPr lang="en-US" dirty="0">
+                <a:solidFill>
+                  <a:schemeClr val="bg1"/>
+                </a:solidFill>
               </a:rPr>
               <a:t>:</a:t>
             </a:r>
-            <a:endParaRPr lang="hr-HR" sz="3600" dirty="0">
-              <a:effectLst/>
+          </a:p>
+          <a:p>
+            <a:r>
+              <a:rPr lang="en-US" dirty="0" err="1">
+                <a:solidFill>
+                  <a:schemeClr val="bg1"/>
+                </a:solidFill>
+              </a:rPr>
+              <a:t>Vanjski</a:t>
+            </a:r>
+            <a:r>
+              <a:rPr lang="en-US" dirty="0">
+                <a:solidFill>
+                  <a:schemeClr val="bg1"/>
+                </a:solidFill>
+              </a:rPr>
+              <a:t> </a:t>
+            </a:r>
+            <a:r>
+              <a:rPr lang="en-US" dirty="0" err="1">
+                <a:solidFill>
+                  <a:schemeClr val="bg1"/>
+                </a:solidFill>
+              </a:rPr>
+              <a:t>izgled</a:t>
+            </a:r>
+            <a:r>
+              <a:rPr lang="en-US" dirty="0">
+                <a:solidFill>
+                  <a:schemeClr val="bg1"/>
+                </a:solidFill>
+              </a:rPr>
+              <a:t> </a:t>
+            </a:r>
+            <a:r>
+              <a:rPr lang="en-US" dirty="0" err="1">
+                <a:solidFill>
+                  <a:schemeClr val="bg1"/>
+                </a:solidFill>
+              </a:rPr>
+              <a:t>stranice</a:t>
+            </a:r>
+            <a:endParaRPr lang="en-US" dirty="0">
+              <a:solidFill>
+                <a:schemeClr val="bg1"/>
+              </a:solidFill>
             </a:endParaRPr>
           </a:p>
           <a:p>
-            <a:pPr marL="571500" indent="-571500" algn="l" rtl="0" eaLnBrk="1" latinLnBrk="0" hangingPunct="1">
-              <a:lnSpc>
-                <a:spcPct val="90000"/>
-              </a:lnSpc>
-              <a:spcBef>
-                <a:spcPts val="1000"/>
-              </a:spcBef>
-              <a:spcAft>
-                <a:spcPts val="0"/>
-              </a:spcAft>
-              <a:buFont typeface="Arial" panose="020B0604020202020204" pitchFamily="34" charset="0"/>
-              <a:buChar char="•"/>
-            </a:pPr>
-            <a:r>
-              <a:rPr lang="en-US" sz="3600" kern="1200" dirty="0" err="1">
-                <a:solidFill>
-                  <a:srgbClr val="000000"/>
-                </a:solidFill>
-                <a:effectLst/>
-                <a:latin typeface="Trebuchet MS" panose="020B0603020202020204" pitchFamily="34" charset="0"/>
-                <a:ea typeface="+mn-ea"/>
-                <a:cs typeface="+mn-cs"/>
-              </a:rPr>
-              <a:t>Vanjski</a:t>
-            </a:r>
-            <a:r>
-              <a:rPr lang="en-US" sz="3600" kern="1200" dirty="0">
-                <a:solidFill>
-                  <a:srgbClr val="000000"/>
-                </a:solidFill>
-                <a:effectLst/>
-                <a:latin typeface="Trebuchet MS" panose="020B0603020202020204" pitchFamily="34" charset="0"/>
-                <a:ea typeface="+mn-ea"/>
-                <a:cs typeface="+mn-cs"/>
+            <a:r>
+              <a:rPr lang="en-US" dirty="0">
+                <a:solidFill>
+                  <a:schemeClr val="bg1"/>
+                </a:solidFill>
+              </a:rPr>
+              <a:t>Backend</a:t>
+            </a:r>
+          </a:p>
+          <a:p>
+            <a:r>
+              <a:rPr lang="en-US" dirty="0" err="1">
+                <a:solidFill>
+                  <a:schemeClr val="bg1"/>
+                </a:solidFill>
+              </a:rPr>
+              <a:t>Baza</a:t>
+            </a:r>
+            <a:r>
+              <a:rPr lang="en-US" dirty="0">
+                <a:solidFill>
+                  <a:schemeClr val="bg1"/>
+                </a:solidFill>
               </a:rPr>
               <a:t> </a:t>
             </a:r>
             <a:r>
-              <a:rPr lang="en-US" sz="3600" kern="1200" dirty="0" err="1">
-                <a:solidFill>
-                  <a:srgbClr val="000000"/>
-                </a:solidFill>
-                <a:effectLst/>
-                <a:latin typeface="Trebuchet MS" panose="020B0603020202020204" pitchFamily="34" charset="0"/>
-                <a:ea typeface="+mn-ea"/>
-                <a:cs typeface="+mn-cs"/>
-              </a:rPr>
-              <a:t>izgled</a:t>
-            </a:r>
-            <a:r>
-              <a:rPr lang="en-US" sz="3600" kern="1200" dirty="0">
-                <a:solidFill>
-                  <a:srgbClr val="000000"/>
-                </a:solidFill>
-                <a:effectLst/>
-                <a:latin typeface="Trebuchet MS" panose="020B0603020202020204" pitchFamily="34" charset="0"/>
-                <a:ea typeface="+mn-ea"/>
-                <a:cs typeface="+mn-cs"/>
+              <a:rPr lang="en-US" dirty="0" err="1">
+                <a:solidFill>
+                  <a:schemeClr val="bg1"/>
+                </a:solidFill>
+              </a:rPr>
+              <a:t>podataka</a:t>
+            </a:r>
+            <a:endParaRPr lang="en-US" dirty="0">
+              <a:solidFill>
+                <a:schemeClr val="bg1"/>
+              </a:solidFill>
+            </a:endParaRPr>
+          </a:p>
+          <a:p>
+            <a:r>
+              <a:rPr lang="en-US" dirty="0" err="1">
+                <a:solidFill>
+                  <a:schemeClr val="bg1"/>
+                </a:solidFill>
+              </a:rPr>
+              <a:t>Registracija</a:t>
+            </a:r>
+            <a:r>
+              <a:rPr lang="en-US" dirty="0">
+                <a:solidFill>
+                  <a:schemeClr val="bg1"/>
+                </a:solidFill>
+              </a:rPr>
+              <a:t>/</a:t>
+            </a:r>
+            <a:r>
+              <a:rPr lang="en-US" dirty="0" err="1">
+                <a:solidFill>
+                  <a:schemeClr val="bg1"/>
+                </a:solidFill>
+              </a:rPr>
+              <a:t>prijava</a:t>
+            </a:r>
+            <a:r>
+              <a:rPr lang="en-US" dirty="0">
+                <a:solidFill>
+                  <a:schemeClr val="bg1"/>
+                </a:solidFill>
               </a:rPr>
               <a:t> </a:t>
             </a:r>
             <a:r>
-              <a:rPr lang="en-US" sz="3600" kern="1200" dirty="0" err="1">
-                <a:solidFill>
-                  <a:srgbClr val="000000"/>
-                </a:solidFill>
-                <a:effectLst/>
-                <a:latin typeface="Trebuchet MS" panose="020B0603020202020204" pitchFamily="34" charset="0"/>
-                <a:ea typeface="+mn-ea"/>
-                <a:cs typeface="+mn-cs"/>
-              </a:rPr>
-              <a:t>stranice</a:t>
-            </a:r>
-            <a:endParaRPr lang="hr-HR" sz="3600" dirty="0">
-              <a:effectLst/>
+              <a:rPr lang="en-US" dirty="0" err="1">
+                <a:solidFill>
+                  <a:schemeClr val="bg1"/>
+                </a:solidFill>
+              </a:rPr>
+              <a:t>korisnika</a:t>
+            </a:r>
+            <a:endParaRPr lang="en-US" dirty="0">
+              <a:solidFill>
+                <a:schemeClr val="bg1"/>
+              </a:solidFill>
             </a:endParaRPr>
           </a:p>
           <a:p>
-            <a:pPr marL="571500" indent="-571500" algn="l" rtl="0" eaLnBrk="1" latinLnBrk="0" hangingPunct="1">
-              <a:lnSpc>
-                <a:spcPct val="90000"/>
-              </a:lnSpc>
-              <a:spcBef>
-                <a:spcPts val="1000"/>
-              </a:spcBef>
-              <a:spcAft>
-                <a:spcPts val="0"/>
-              </a:spcAft>
-              <a:buFont typeface="Arial" panose="020B0604020202020204" pitchFamily="34" charset="0"/>
-              <a:buChar char="•"/>
-            </a:pPr>
-            <a:r>
-              <a:rPr lang="en-US" sz="3600" kern="1200" dirty="0">
-                <a:solidFill>
-                  <a:srgbClr val="000000"/>
-                </a:solidFill>
-                <a:effectLst/>
-                <a:latin typeface="Trebuchet MS" panose="020B0603020202020204" pitchFamily="34" charset="0"/>
-                <a:ea typeface="+mn-ea"/>
-                <a:cs typeface="+mn-cs"/>
-              </a:rPr>
-              <a:t>Backend</a:t>
-            </a:r>
-            <a:endParaRPr lang="hr-HR" sz="3600" dirty="0">
-              <a:effectLst/>
+            <a:r>
+              <a:rPr lang="en-US" dirty="0" err="1">
+                <a:solidFill>
+                  <a:schemeClr val="bg1"/>
+                </a:solidFill>
+              </a:rPr>
+              <a:t>Dokumentacija</a:t>
+            </a:r>
+            <a:endParaRPr lang="en-US" dirty="0">
+              <a:solidFill>
+                <a:schemeClr val="bg1"/>
+              </a:solidFill>
             </a:endParaRPr>
           </a:p>
           <a:p>
-            <a:pPr marL="571500" indent="-571500" algn="l" rtl="0" eaLnBrk="1" latinLnBrk="0" hangingPunct="1">
-              <a:lnSpc>
-                <a:spcPct val="90000"/>
-              </a:lnSpc>
-              <a:spcBef>
-                <a:spcPts val="1000"/>
-              </a:spcBef>
-              <a:spcAft>
-                <a:spcPts val="0"/>
-              </a:spcAft>
-              <a:buFont typeface="Arial" panose="020B0604020202020204" pitchFamily="34" charset="0"/>
-              <a:buChar char="•"/>
-            </a:pPr>
-            <a:r>
-              <a:rPr lang="en-US" sz="3600" kern="1200" dirty="0" err="1">
-                <a:solidFill>
-                  <a:srgbClr val="000000"/>
-                </a:solidFill>
-                <a:effectLst/>
-                <a:latin typeface="Trebuchet MS" panose="020B0603020202020204" pitchFamily="34" charset="0"/>
-                <a:ea typeface="+mn-ea"/>
-                <a:cs typeface="+mn-cs"/>
-              </a:rPr>
-              <a:t>Baza</a:t>
-            </a:r>
-            <a:r>
-              <a:rPr lang="en-US" sz="3600" kern="1200" dirty="0">
-                <a:solidFill>
-                  <a:srgbClr val="000000"/>
-                </a:solidFill>
-                <a:effectLst/>
-                <a:latin typeface="Trebuchet MS" panose="020B0603020202020204" pitchFamily="34" charset="0"/>
-                <a:ea typeface="+mn-ea"/>
-                <a:cs typeface="+mn-cs"/>
-              </a:rPr>
-              <a:t> </a:t>
-            </a:r>
-            <a:r>
-              <a:rPr lang="en-US" sz="3600" kern="1200" dirty="0" err="1">
-                <a:solidFill>
-                  <a:srgbClr val="000000"/>
-                </a:solidFill>
-                <a:effectLst/>
-                <a:latin typeface="Trebuchet MS" panose="020B0603020202020204" pitchFamily="34" charset="0"/>
-                <a:ea typeface="+mn-ea"/>
-                <a:cs typeface="+mn-cs"/>
-              </a:rPr>
-              <a:t>podataka</a:t>
-            </a:r>
-            <a:endParaRPr lang="hr-HR" sz="3600" dirty="0">
-              <a:effectLst/>
-            </a:endParaRPr>
-          </a:p>
-          <a:p>
-            <a:pPr marL="571500" indent="-571500" algn="l" rtl="0" eaLnBrk="1" latinLnBrk="0" hangingPunct="1">
-              <a:lnSpc>
-                <a:spcPct val="90000"/>
-              </a:lnSpc>
-              <a:spcBef>
-                <a:spcPts val="1000"/>
-              </a:spcBef>
-              <a:spcAft>
-                <a:spcPts val="0"/>
-              </a:spcAft>
-              <a:buFont typeface="Arial" panose="020B0604020202020204" pitchFamily="34" charset="0"/>
-              <a:buChar char="•"/>
-            </a:pPr>
-            <a:r>
-              <a:rPr lang="en-US" sz="3600" kern="1200" dirty="0" err="1">
-                <a:solidFill>
-                  <a:srgbClr val="000000"/>
-                </a:solidFill>
-                <a:effectLst/>
-                <a:latin typeface="Trebuchet MS" panose="020B0603020202020204" pitchFamily="34" charset="0"/>
-                <a:ea typeface="+mn-ea"/>
-                <a:cs typeface="+mn-cs"/>
-              </a:rPr>
-              <a:t>Registracija</a:t>
-            </a:r>
-            <a:r>
-              <a:rPr lang="en-US" sz="3600" kern="1200" dirty="0">
-                <a:solidFill>
-                  <a:srgbClr val="000000"/>
-                </a:solidFill>
-                <a:effectLst/>
-                <a:latin typeface="Trebuchet MS" panose="020B0603020202020204" pitchFamily="34" charset="0"/>
-                <a:ea typeface="+mn-ea"/>
-                <a:cs typeface="+mn-cs"/>
-              </a:rPr>
-              <a:t>/</a:t>
-            </a:r>
-            <a:r>
-              <a:rPr lang="en-US" sz="3600" kern="1200" dirty="0" err="1">
-                <a:solidFill>
-                  <a:srgbClr val="000000"/>
-                </a:solidFill>
-                <a:effectLst/>
-                <a:latin typeface="Trebuchet MS" panose="020B0603020202020204" pitchFamily="34" charset="0"/>
-                <a:ea typeface="+mn-ea"/>
-                <a:cs typeface="+mn-cs"/>
-              </a:rPr>
-              <a:t>prijava</a:t>
-            </a:r>
-            <a:r>
-              <a:rPr lang="en-US" sz="3600" kern="1200" dirty="0">
-                <a:solidFill>
-                  <a:srgbClr val="000000"/>
-                </a:solidFill>
-                <a:effectLst/>
-                <a:latin typeface="Trebuchet MS" panose="020B0603020202020204" pitchFamily="34" charset="0"/>
-                <a:ea typeface="+mn-ea"/>
-                <a:cs typeface="+mn-cs"/>
-              </a:rPr>
-              <a:t> </a:t>
-            </a:r>
-            <a:r>
-              <a:rPr lang="en-US" sz="3600" kern="1200" dirty="0" err="1">
-                <a:solidFill>
-                  <a:srgbClr val="000000"/>
-                </a:solidFill>
-                <a:effectLst/>
-                <a:latin typeface="Trebuchet MS" panose="020B0603020202020204" pitchFamily="34" charset="0"/>
-                <a:ea typeface="+mn-ea"/>
-                <a:cs typeface="+mn-cs"/>
-              </a:rPr>
-              <a:t>korisnika</a:t>
-            </a:r>
-            <a:endParaRPr lang="hr-HR" sz="3600" dirty="0">
-              <a:effectLst/>
-            </a:endParaRPr>
-          </a:p>
-          <a:p>
-            <a:pPr marL="571500" indent="-571500" algn="l" rtl="0" eaLnBrk="1" latinLnBrk="0" hangingPunct="1">
-              <a:lnSpc>
-                <a:spcPct val="90000"/>
-              </a:lnSpc>
-              <a:spcBef>
-                <a:spcPts val="1000"/>
-              </a:spcBef>
-              <a:spcAft>
-                <a:spcPts val="0"/>
-              </a:spcAft>
-              <a:buFont typeface="Arial" panose="020B0604020202020204" pitchFamily="34" charset="0"/>
-              <a:buChar char="•"/>
-            </a:pPr>
-            <a:r>
-              <a:rPr lang="en-US" sz="3600" kern="1200" dirty="0" err="1">
-                <a:solidFill>
-                  <a:srgbClr val="000000"/>
-                </a:solidFill>
-                <a:effectLst/>
-                <a:latin typeface="Trebuchet MS" panose="020B0603020202020204" pitchFamily="34" charset="0"/>
-                <a:ea typeface="+mn-ea"/>
-                <a:cs typeface="+mn-cs"/>
-              </a:rPr>
-              <a:t>Dokumentacija</a:t>
-            </a:r>
-            <a:endParaRPr lang="hr-HR" sz="3600" dirty="0">
-              <a:effectLst/>
-            </a:endParaRPr>
-          </a:p>
-          <a:p>
-            <a:endParaRPr lang="hr-HR" dirty="0"/>
+            <a:endParaRPr lang="en-US" dirty="0"/>
           </a:p>
         </p:txBody>
       </p:sp>
     </p:spTree>
     <p:extLst>
       <p:ext uri="{BB962C8B-B14F-4D97-AF65-F5344CB8AC3E}">
-        <p14:creationId xmlns:p14="http://schemas.microsoft.com/office/powerpoint/2010/main" val="622917010"/>
+        <p14:creationId xmlns:p14="http://schemas.microsoft.com/office/powerpoint/2010/main" val="958294076"/>
       </p:ext>
     </p:extLst>
   </p:cSld>
